--- a/curriculum/Unit7/Unit7.pptx
+++ b/curriculum/Unit7/Unit7.pptx
@@ -267,7 +267,7 @@
           <a:p>
             <a:fld id="{21D9D900-B99C-4AFB-8535-5138248138D6}" type="datetimeFigureOut">
               <a:rPr lang="en-US" smtClean="0"/>
-              <a:t>11/28/2016</a:t>
+              <a:t>2/18/2020</a:t>
             </a:fld>
             <a:endParaRPr lang="en-US"/>
           </a:p>
@@ -1431,7 +1431,7 @@
           <a:p>
             <a:fld id="{4FFF93F0-A875-4FED-A1F7-E906ED1FF709}" type="datetimeFigureOut">
               <a:rPr lang="en-US" smtClean="0"/>
-              <a:t>11/28/2016</a:t>
+              <a:t>2/18/2020</a:t>
             </a:fld>
             <a:endParaRPr lang="en-US"/>
           </a:p>
@@ -1599,7 +1599,7 @@
           <a:p>
             <a:fld id="{4FFF93F0-A875-4FED-A1F7-E906ED1FF709}" type="datetimeFigureOut">
               <a:rPr lang="en-US" smtClean="0"/>
-              <a:t>11/28/2016</a:t>
+              <a:t>2/18/2020</a:t>
             </a:fld>
             <a:endParaRPr lang="en-US"/>
           </a:p>
@@ -1777,7 +1777,7 @@
           <a:p>
             <a:fld id="{4FFF93F0-A875-4FED-A1F7-E906ED1FF709}" type="datetimeFigureOut">
               <a:rPr lang="en-US" smtClean="0"/>
-              <a:t>11/28/2016</a:t>
+              <a:t>2/18/2020</a:t>
             </a:fld>
             <a:endParaRPr lang="en-US"/>
           </a:p>
@@ -1945,7 +1945,7 @@
           <a:p>
             <a:fld id="{4FFF93F0-A875-4FED-A1F7-E906ED1FF709}" type="datetimeFigureOut">
               <a:rPr lang="en-US" smtClean="0"/>
-              <a:t>11/28/2016</a:t>
+              <a:t>2/18/2020</a:t>
             </a:fld>
             <a:endParaRPr lang="en-US"/>
           </a:p>
@@ -2190,7 +2190,7 @@
           <a:p>
             <a:fld id="{4FFF93F0-A875-4FED-A1F7-E906ED1FF709}" type="datetimeFigureOut">
               <a:rPr lang="en-US" smtClean="0"/>
-              <a:t>11/28/2016</a:t>
+              <a:t>2/18/2020</a:t>
             </a:fld>
             <a:endParaRPr lang="en-US"/>
           </a:p>
@@ -2419,7 +2419,7 @@
           <a:p>
             <a:fld id="{4FFF93F0-A875-4FED-A1F7-E906ED1FF709}" type="datetimeFigureOut">
               <a:rPr lang="en-US" smtClean="0"/>
-              <a:t>11/28/2016</a:t>
+              <a:t>2/18/2020</a:t>
             </a:fld>
             <a:endParaRPr lang="en-US"/>
           </a:p>
@@ -2783,7 +2783,7 @@
           <a:p>
             <a:fld id="{4FFF93F0-A875-4FED-A1F7-E906ED1FF709}" type="datetimeFigureOut">
               <a:rPr lang="en-US" smtClean="0"/>
-              <a:t>11/28/2016</a:t>
+              <a:t>2/18/2020</a:t>
             </a:fld>
             <a:endParaRPr lang="en-US"/>
           </a:p>
@@ -2900,7 +2900,7 @@
           <a:p>
             <a:fld id="{4FFF93F0-A875-4FED-A1F7-E906ED1FF709}" type="datetimeFigureOut">
               <a:rPr lang="en-US" smtClean="0"/>
-              <a:t>11/28/2016</a:t>
+              <a:t>2/18/2020</a:t>
             </a:fld>
             <a:endParaRPr lang="en-US"/>
           </a:p>
@@ -2995,7 +2995,7 @@
           <a:p>
             <a:fld id="{4FFF93F0-A875-4FED-A1F7-E906ED1FF709}" type="datetimeFigureOut">
               <a:rPr lang="en-US" smtClean="0"/>
-              <a:t>11/28/2016</a:t>
+              <a:t>2/18/2020</a:t>
             </a:fld>
             <a:endParaRPr lang="en-US"/>
           </a:p>
@@ -3270,7 +3270,7 @@
           <a:p>
             <a:fld id="{4FFF93F0-A875-4FED-A1F7-E906ED1FF709}" type="datetimeFigureOut">
               <a:rPr lang="en-US" smtClean="0"/>
-              <a:t>11/28/2016</a:t>
+              <a:t>2/18/2020</a:t>
             </a:fld>
             <a:endParaRPr lang="en-US"/>
           </a:p>
@@ -3522,7 +3522,7 @@
           <a:p>
             <a:fld id="{4FFF93F0-A875-4FED-A1F7-E906ED1FF709}" type="datetimeFigureOut">
               <a:rPr lang="en-US" smtClean="0"/>
-              <a:t>11/28/2016</a:t>
+              <a:t>2/18/2020</a:t>
             </a:fld>
             <a:endParaRPr lang="en-US"/>
           </a:p>
@@ -3733,7 +3733,7 @@
           <a:p>
             <a:fld id="{4FFF93F0-A875-4FED-A1F7-E906ED1FF709}" type="datetimeFigureOut">
               <a:rPr lang="en-US" smtClean="0"/>
-              <a:t>11/28/2016</a:t>
+              <a:t>2/18/2020</a:t>
             </a:fld>
             <a:endParaRPr lang="en-US"/>
           </a:p>
@@ -19146,8 +19146,13 @@
             </a:pPr>
             <a:r>
               <a:rPr lang="en-US" dirty="0"/>
-              <a:t>For each topic, follow up by reviewing the textbook, self-check problems, and the appropriate Practice-It problems.</a:t>
-            </a:r>
+              <a:t>For each topic, follow up by reviewing the textbook, and </a:t>
+            </a:r>
+            <a:r>
+              <a:rPr lang="en-US"/>
+              <a:t>self-check problems.</a:t>
+            </a:r>
+            <a:endParaRPr lang="en-US" dirty="0"/>
           </a:p>
         </p:txBody>
       </p:sp>
@@ -20048,6 +20053,12 @@
 </file>
 
 <file path=customXml/item1.xml><?xml version="1.0" encoding="utf-8"?>
+<p:properties xmlns:p="http://schemas.microsoft.com/office/2006/metadata/properties" xmlns:xsi="http://www.w3.org/2001/XMLSchema-instance" xmlns:pc="http://schemas.microsoft.com/office/infopath/2007/PartnerControls">
+  <documentManagement/>
+</p:properties>
+</file>
+
+<file path=customXml/item2.xml><?xml version="1.0" encoding="utf-8"?>
 <?mso-contentType ?>
 <FormTemplates xmlns="http://schemas.microsoft.com/sharepoint/v3/contenttype/forms">
   <Display>DocumentLibraryForm</Display>
@@ -20056,7 +20067,7 @@
 </FormTemplates>
 </file>
 
-<file path=customXml/item2.xml><?xml version="1.0" encoding="utf-8"?>
+<file path=customXml/item3.xml><?xml version="1.0" encoding="utf-8"?>
 <ct:contentTypeSchema xmlns:ct="http://schemas.microsoft.com/office/2006/metadata/contentType" xmlns:ma="http://schemas.microsoft.com/office/2006/metadata/properties/metaAttributes" ct:_="" ma:_="" ma:contentTypeName="Document" ma:contentTypeID="0x010100BABADD3A0624AA4E97287821B8F4D7D6" ma:contentTypeVersion="3" ma:contentTypeDescription="Create a new document." ma:contentTypeScope="" ma:versionID="d1f55a70bd1930e0ae5c5588ea58d234">
   <xsd:schema xmlns:xsd="http://www.w3.org/2001/XMLSchema" xmlns:xs="http://www.w3.org/2001/XMLSchema" xmlns:p="http://schemas.microsoft.com/office/2006/metadata/properties" xmlns:ns2="5edd459b-714d-42ed-b78f-512da7d1c14e" targetNamespace="http://schemas.microsoft.com/office/2006/metadata/properties" ma:root="true" ma:fieldsID="5a6a6e2895642296b7d1775ae73bc200" ns2:_="">
     <xsd:import namespace="5edd459b-714d-42ed-b78f-512da7d1c14e"/>
@@ -20210,13 +20221,23 @@
 </ct:contentTypeSchema>
 </file>
 
-<file path=customXml/item3.xml><?xml version="1.0" encoding="utf-8"?>
-<p:properties xmlns:p="http://schemas.microsoft.com/office/2006/metadata/properties" xmlns:xsi="http://www.w3.org/2001/XMLSchema-instance" xmlns:pc="http://schemas.microsoft.com/office/infopath/2007/PartnerControls">
-  <documentManagement/>
-</p:properties>
+<file path=customXml/itemProps1.xml><?xml version="1.0" encoding="utf-8"?>
+<ds:datastoreItem xmlns:ds="http://schemas.openxmlformats.org/officeDocument/2006/customXml" ds:itemID="{2A107947-65A8-43FC-83DC-9983181EAE56}">
+  <ds:schemaRefs>
+    <ds:schemaRef ds:uri="http://purl.org/dc/elements/1.1/"/>
+    <ds:schemaRef ds:uri="http://schemas.microsoft.com/office/2006/metadata/properties"/>
+    <ds:schemaRef ds:uri="http://purl.org/dc/terms/"/>
+    <ds:schemaRef ds:uri="http://schemas.openxmlformats.org/package/2006/metadata/core-properties"/>
+    <ds:schemaRef ds:uri="5edd459b-714d-42ed-b78f-512da7d1c14e"/>
+    <ds:schemaRef ds:uri="http://schemas.microsoft.com/office/2006/documentManagement/types"/>
+    <ds:schemaRef ds:uri="http://schemas.microsoft.com/office/infopath/2007/PartnerControls"/>
+    <ds:schemaRef ds:uri="http://www.w3.org/XML/1998/namespace"/>
+    <ds:schemaRef ds:uri="http://purl.org/dc/dcmitype/"/>
+  </ds:schemaRefs>
+</ds:datastoreItem>
 </file>
 
-<file path=customXml/itemProps1.xml><?xml version="1.0" encoding="utf-8"?>
+<file path=customXml/itemProps2.xml><?xml version="1.0" encoding="utf-8"?>
 <ds:datastoreItem xmlns:ds="http://schemas.openxmlformats.org/officeDocument/2006/customXml" ds:itemID="{189AB54F-A8D3-4CF5-8E7A-A481770A4AC3}">
   <ds:schemaRefs>
     <ds:schemaRef ds:uri="http://schemas.microsoft.com/sharepoint/v3/contenttype/forms"/>
@@ -20224,7 +20245,7 @@
 </ds:datastoreItem>
 </file>
 
-<file path=customXml/itemProps2.xml><?xml version="1.0" encoding="utf-8"?>
+<file path=customXml/itemProps3.xml><?xml version="1.0" encoding="utf-8"?>
 <ds:datastoreItem xmlns:ds="http://schemas.openxmlformats.org/officeDocument/2006/customXml" ds:itemID="{03187236-A7E2-4E77-95FB-547350285787}">
   <ds:schemaRefs>
     <ds:schemaRef ds:uri="http://schemas.microsoft.com/office/2006/metadata/contentType"/>
@@ -20240,20 +20261,4 @@
     <ds:schemaRef ds:uri="http://schemas.microsoft.com/internal/obd"/>
   </ds:schemaRefs>
 </ds:datastoreItem>
-</file>
-
-<file path=customXml/itemProps3.xml><?xml version="1.0" encoding="utf-8"?>
-<ds:datastoreItem xmlns:ds="http://schemas.openxmlformats.org/officeDocument/2006/customXml" ds:itemID="{2A107947-65A8-43FC-83DC-9983181EAE56}">
-  <ds:schemaRefs>
-    <ds:schemaRef ds:uri="http://purl.org/dc/elements/1.1/"/>
-    <ds:schemaRef ds:uri="http://schemas.microsoft.com/office/2006/metadata/properties"/>
-    <ds:schemaRef ds:uri="http://purl.org/dc/terms/"/>
-    <ds:schemaRef ds:uri="http://schemas.openxmlformats.org/package/2006/metadata/core-properties"/>
-    <ds:schemaRef ds:uri="5edd459b-714d-42ed-b78f-512da7d1c14e"/>
-    <ds:schemaRef ds:uri="http://schemas.microsoft.com/office/2006/documentManagement/types"/>
-    <ds:schemaRef ds:uri="http://schemas.microsoft.com/office/infopath/2007/PartnerControls"/>
-    <ds:schemaRef ds:uri="http://www.w3.org/XML/1998/namespace"/>
-    <ds:schemaRef ds:uri="http://purl.org/dc/dcmitype/"/>
-  </ds:schemaRefs>
-</ds:datastoreItem>
 </file>
--- a/curriculum/Unit7/Unit7.pptx
+++ b/curriculum/Unit7/Unit7.pptx
@@ -267,7 +267,7 @@
           <a:p>
             <a:fld id="{21D9D900-B99C-4AFB-8535-5138248138D6}" type="datetimeFigureOut">
               <a:rPr lang="en-US" smtClean="0"/>
-              <a:t>2/18/2020</a:t>
+              <a:t>11/28/2016</a:t>
             </a:fld>
             <a:endParaRPr lang="en-US"/>
           </a:p>
@@ -1431,7 +1431,7 @@
           <a:p>
             <a:fld id="{4FFF93F0-A875-4FED-A1F7-E906ED1FF709}" type="datetimeFigureOut">
               <a:rPr lang="en-US" smtClean="0"/>
-              <a:t>2/18/2020</a:t>
+              <a:t>11/28/2016</a:t>
             </a:fld>
             <a:endParaRPr lang="en-US"/>
           </a:p>
@@ -1599,7 +1599,7 @@
           <a:p>
             <a:fld id="{4FFF93F0-A875-4FED-A1F7-E906ED1FF709}" type="datetimeFigureOut">
               <a:rPr lang="en-US" smtClean="0"/>
-              <a:t>2/18/2020</a:t>
+              <a:t>11/28/2016</a:t>
             </a:fld>
             <a:endParaRPr lang="en-US"/>
           </a:p>
@@ -1777,7 +1777,7 @@
           <a:p>
             <a:fld id="{4FFF93F0-A875-4FED-A1F7-E906ED1FF709}" type="datetimeFigureOut">
               <a:rPr lang="en-US" smtClean="0"/>
-              <a:t>2/18/2020</a:t>
+              <a:t>11/28/2016</a:t>
             </a:fld>
             <a:endParaRPr lang="en-US"/>
           </a:p>
@@ -1945,7 +1945,7 @@
           <a:p>
             <a:fld id="{4FFF93F0-A875-4FED-A1F7-E906ED1FF709}" type="datetimeFigureOut">
               <a:rPr lang="en-US" smtClean="0"/>
-              <a:t>2/18/2020</a:t>
+              <a:t>11/28/2016</a:t>
             </a:fld>
             <a:endParaRPr lang="en-US"/>
           </a:p>
@@ -2190,7 +2190,7 @@
           <a:p>
             <a:fld id="{4FFF93F0-A875-4FED-A1F7-E906ED1FF709}" type="datetimeFigureOut">
               <a:rPr lang="en-US" smtClean="0"/>
-              <a:t>2/18/2020</a:t>
+              <a:t>11/28/2016</a:t>
             </a:fld>
             <a:endParaRPr lang="en-US"/>
           </a:p>
@@ -2419,7 +2419,7 @@
           <a:p>
             <a:fld id="{4FFF93F0-A875-4FED-A1F7-E906ED1FF709}" type="datetimeFigureOut">
               <a:rPr lang="en-US" smtClean="0"/>
-              <a:t>2/18/2020</a:t>
+              <a:t>11/28/2016</a:t>
             </a:fld>
             <a:endParaRPr lang="en-US"/>
           </a:p>
@@ -2783,7 +2783,7 @@
           <a:p>
             <a:fld id="{4FFF93F0-A875-4FED-A1F7-E906ED1FF709}" type="datetimeFigureOut">
               <a:rPr lang="en-US" smtClean="0"/>
-              <a:t>2/18/2020</a:t>
+              <a:t>11/28/2016</a:t>
             </a:fld>
             <a:endParaRPr lang="en-US"/>
           </a:p>
@@ -2900,7 +2900,7 @@
           <a:p>
             <a:fld id="{4FFF93F0-A875-4FED-A1F7-E906ED1FF709}" type="datetimeFigureOut">
               <a:rPr lang="en-US" smtClean="0"/>
-              <a:t>2/18/2020</a:t>
+              <a:t>11/28/2016</a:t>
             </a:fld>
             <a:endParaRPr lang="en-US"/>
           </a:p>
@@ -2995,7 +2995,7 @@
           <a:p>
             <a:fld id="{4FFF93F0-A875-4FED-A1F7-E906ED1FF709}" type="datetimeFigureOut">
               <a:rPr lang="en-US" smtClean="0"/>
-              <a:t>2/18/2020</a:t>
+              <a:t>11/28/2016</a:t>
             </a:fld>
             <a:endParaRPr lang="en-US"/>
           </a:p>
@@ -3270,7 +3270,7 @@
           <a:p>
             <a:fld id="{4FFF93F0-A875-4FED-A1F7-E906ED1FF709}" type="datetimeFigureOut">
               <a:rPr lang="en-US" smtClean="0"/>
-              <a:t>2/18/2020</a:t>
+              <a:t>11/28/2016</a:t>
             </a:fld>
             <a:endParaRPr lang="en-US"/>
           </a:p>
@@ -3522,7 +3522,7 @@
           <a:p>
             <a:fld id="{4FFF93F0-A875-4FED-A1F7-E906ED1FF709}" type="datetimeFigureOut">
               <a:rPr lang="en-US" smtClean="0"/>
-              <a:t>2/18/2020</a:t>
+              <a:t>11/28/2016</a:t>
             </a:fld>
             <a:endParaRPr lang="en-US"/>
           </a:p>
@@ -3733,7 +3733,7 @@
           <a:p>
             <a:fld id="{4FFF93F0-A875-4FED-A1F7-E906ED1FF709}" type="datetimeFigureOut">
               <a:rPr lang="en-US" smtClean="0"/>
-              <a:t>2/18/2020</a:t>
+              <a:t>11/28/2016</a:t>
             </a:fld>
             <a:endParaRPr lang="en-US"/>
           </a:p>
@@ -19146,13 +19146,8 @@
             </a:pPr>
             <a:r>
               <a:rPr lang="en-US" dirty="0"/>
-              <a:t>For each topic, follow up by reviewing the textbook, and </a:t>
-            </a:r>
-            <a:r>
-              <a:rPr lang="en-US"/>
-              <a:t>self-check problems.</a:t>
-            </a:r>
-            <a:endParaRPr lang="en-US" dirty="0"/>
+              <a:t>For each topic, follow up by reviewing the textbook, self-check problems, and the appropriate Practice-It problems.</a:t>
+            </a:r>
           </a:p>
         </p:txBody>
       </p:sp>
@@ -20053,12 +20048,6 @@
 </file>
 
 <file path=customXml/item1.xml><?xml version="1.0" encoding="utf-8"?>
-<p:properties xmlns:p="http://schemas.microsoft.com/office/2006/metadata/properties" xmlns:xsi="http://www.w3.org/2001/XMLSchema-instance" xmlns:pc="http://schemas.microsoft.com/office/infopath/2007/PartnerControls">
-  <documentManagement/>
-</p:properties>
-</file>
-
-<file path=customXml/item2.xml><?xml version="1.0" encoding="utf-8"?>
 <?mso-contentType ?>
 <FormTemplates xmlns="http://schemas.microsoft.com/sharepoint/v3/contenttype/forms">
   <Display>DocumentLibraryForm</Display>
@@ -20067,19 +20056,29 @@
 </FormTemplates>
 </file>
 
-<file path=customXml/item3.xml><?xml version="1.0" encoding="utf-8"?>
-<ct:contentTypeSchema xmlns:ct="http://schemas.microsoft.com/office/2006/metadata/contentType" xmlns:ma="http://schemas.microsoft.com/office/2006/metadata/properties/metaAttributes" ct:_="" ma:_="" ma:contentTypeName="Document" ma:contentTypeID="0x010100BABADD3A0624AA4E97287821B8F4D7D6" ma:contentTypeVersion="3" ma:contentTypeDescription="Create a new document." ma:contentTypeScope="" ma:versionID="d1f55a70bd1930e0ae5c5588ea58d234">
-  <xsd:schema xmlns:xsd="http://www.w3.org/2001/XMLSchema" xmlns:xs="http://www.w3.org/2001/XMLSchema" xmlns:p="http://schemas.microsoft.com/office/2006/metadata/properties" xmlns:ns2="5edd459b-714d-42ed-b78f-512da7d1c14e" targetNamespace="http://schemas.microsoft.com/office/2006/metadata/properties" ma:root="true" ma:fieldsID="5a6a6e2895642296b7d1775ae73bc200" ns2:_="">
-    <xsd:import namespace="5edd459b-714d-42ed-b78f-512da7d1c14e"/>
+<file path=customXml/item2.xml><?xml version="1.0" encoding="utf-8"?>
+<ct:contentTypeSchema xmlns:ct="http://schemas.microsoft.com/office/2006/metadata/contentType" xmlns:ma="http://schemas.microsoft.com/office/2006/metadata/properties/metaAttributes" ct:_="" ma:_="" ma:contentTypeName="Document" ma:contentTypeID="0x01010011E83E049C87AC4AB56F27089B4ACA55" ma:contentTypeVersion="12" ma:contentTypeDescription="Create a new document." ma:contentTypeScope="" ma:versionID="1178fe99ddca204d3fc8224f4ed0acf8">
+  <xsd:schema xmlns:xsd="http://www.w3.org/2001/XMLSchema" xmlns:xs="http://www.w3.org/2001/XMLSchema" xmlns:p="http://schemas.microsoft.com/office/2006/metadata/properties" xmlns:ns2="be898649-fe57-4b08-9fd4-31fc752880e3" xmlns:ns3="6f430b7c-f2e9-4385-9cb2-4dd06cc2317e" targetNamespace="http://schemas.microsoft.com/office/2006/metadata/properties" ma:root="true" ma:fieldsID="05a700af6660b82c6e85ae510b7169e9" ns2:_="" ns3:_="">
+    <xsd:import namespace="be898649-fe57-4b08-9fd4-31fc752880e3"/>
+    <xsd:import namespace="6f430b7c-f2e9-4385-9cb2-4dd06cc2317e"/>
     <xsd:element name="properties">
       <xsd:complexType>
         <xsd:sequence>
           <xsd:element name="documentManagement">
             <xsd:complexType>
               <xsd:all>
-                <xsd:element ref="ns2:SharedWithUsers" minOccurs="0"/>
-                <xsd:element ref="ns2:SharedWithDetails" minOccurs="0"/>
-                <xsd:element ref="ns2:SharingHintHash" minOccurs="0"/>
+                <xsd:element ref="ns2:MediaServiceMetadata" minOccurs="0"/>
+                <xsd:element ref="ns2:MediaServiceFastMetadata" minOccurs="0"/>
+                <xsd:element ref="ns2:MediaServiceAutoTags" minOccurs="0"/>
+                <xsd:element ref="ns2:MediaServiceDateTaken" minOccurs="0"/>
+                <xsd:element ref="ns3:SharedWithUsers" minOccurs="0"/>
+                <xsd:element ref="ns3:SharedWithDetails" minOccurs="0"/>
+                <xsd:element ref="ns2:MediaServiceLocation" minOccurs="0"/>
+                <xsd:element ref="ns2:MediaServiceOCR" minOccurs="0"/>
+                <xsd:element ref="ns2:MediaServiceEventHashCode" minOccurs="0"/>
+                <xsd:element ref="ns2:MediaServiceGenerationTime" minOccurs="0"/>
+                <xsd:element ref="ns2:MediaServiceAutoKeyPoints" minOccurs="0"/>
+                <xsd:element ref="ns2:MediaServiceKeyPoints" minOccurs="0"/>
               </xsd:all>
             </xsd:complexType>
           </xsd:element>
@@ -20087,10 +20086,68 @@
       </xsd:complexType>
     </xsd:element>
   </xsd:schema>
-  <xsd:schema xmlns:xsd="http://www.w3.org/2001/XMLSchema" xmlns:xs="http://www.w3.org/2001/XMLSchema" xmlns:dms="http://schemas.microsoft.com/office/2006/documentManagement/types" xmlns:pc="http://schemas.microsoft.com/office/infopath/2007/PartnerControls" targetNamespace="5edd459b-714d-42ed-b78f-512da7d1c14e" elementFormDefault="qualified">
+  <xsd:schema xmlns:xsd="http://www.w3.org/2001/XMLSchema" xmlns:xs="http://www.w3.org/2001/XMLSchema" xmlns:dms="http://schemas.microsoft.com/office/2006/documentManagement/types" xmlns:pc="http://schemas.microsoft.com/office/infopath/2007/PartnerControls" targetNamespace="be898649-fe57-4b08-9fd4-31fc752880e3" elementFormDefault="qualified">
     <xsd:import namespace="http://schemas.microsoft.com/office/2006/documentManagement/types"/>
     <xsd:import namespace="http://schemas.microsoft.com/office/infopath/2007/PartnerControls"/>
-    <xsd:element name="SharedWithUsers" ma:index="8" nillable="true" ma:displayName="Shared With" ma:internalName="SharedWithUsers" ma:readOnly="true">
+    <xsd:element name="MediaServiceMetadata" ma:index="8" nillable="true" ma:displayName="MediaServiceMetadata" ma:description="" ma:hidden="true" ma:internalName="MediaServiceMetadata" ma:readOnly="true">
+      <xsd:simpleType>
+        <xsd:restriction base="dms:Note"/>
+      </xsd:simpleType>
+    </xsd:element>
+    <xsd:element name="MediaServiceFastMetadata" ma:index="9" nillable="true" ma:displayName="MediaServiceFastMetadata" ma:description="" ma:hidden="true" ma:internalName="MediaServiceFastMetadata" ma:readOnly="true">
+      <xsd:simpleType>
+        <xsd:restriction base="dms:Note"/>
+      </xsd:simpleType>
+    </xsd:element>
+    <xsd:element name="MediaServiceAutoTags" ma:index="10" nillable="true" ma:displayName="MediaServiceAutoTags" ma:description="" ma:internalName="MediaServiceAutoTags" ma:readOnly="true">
+      <xsd:simpleType>
+        <xsd:restriction base="dms:Text"/>
+      </xsd:simpleType>
+    </xsd:element>
+    <xsd:element name="MediaServiceDateTaken" ma:index="11" nillable="true" ma:displayName="MediaServiceDateTaken" ma:description="" ma:hidden="true" ma:internalName="MediaServiceDateTaken" ma:readOnly="true">
+      <xsd:simpleType>
+        <xsd:restriction base="dms:Text"/>
+      </xsd:simpleType>
+    </xsd:element>
+    <xsd:element name="MediaServiceLocation" ma:index="14" nillable="true" ma:displayName="MediaServiceLocation" ma:internalName="MediaServiceLocation" ma:readOnly="true">
+      <xsd:simpleType>
+        <xsd:restriction base="dms:Text"/>
+      </xsd:simpleType>
+    </xsd:element>
+    <xsd:element name="MediaServiceOCR" ma:index="15" nillable="true" ma:displayName="MediaServiceOCR" ma:internalName="MediaServiceOCR" ma:readOnly="true">
+      <xsd:simpleType>
+        <xsd:restriction base="dms:Note">
+          <xsd:maxLength value="255"/>
+        </xsd:restriction>
+      </xsd:simpleType>
+    </xsd:element>
+    <xsd:element name="MediaServiceEventHashCode" ma:index="16" nillable="true" ma:displayName="MediaServiceEventHashCode" ma:hidden="true" ma:internalName="MediaServiceEventHashCode" ma:readOnly="true">
+      <xsd:simpleType>
+        <xsd:restriction base="dms:Text"/>
+      </xsd:simpleType>
+    </xsd:element>
+    <xsd:element name="MediaServiceGenerationTime" ma:index="17" nillable="true" ma:displayName="MediaServiceGenerationTime" ma:hidden="true" ma:internalName="MediaServiceGenerationTime" ma:readOnly="true">
+      <xsd:simpleType>
+        <xsd:restriction base="dms:Text"/>
+      </xsd:simpleType>
+    </xsd:element>
+    <xsd:element name="MediaServiceAutoKeyPoints" ma:index="18" nillable="true" ma:displayName="MediaServiceAutoKeyPoints" ma:hidden="true" ma:internalName="MediaServiceAutoKeyPoints" ma:readOnly="true">
+      <xsd:simpleType>
+        <xsd:restriction base="dms:Note"/>
+      </xsd:simpleType>
+    </xsd:element>
+    <xsd:element name="MediaServiceKeyPoints" ma:index="19" nillable="true" ma:displayName="KeyPoints" ma:internalName="MediaServiceKeyPoints" ma:readOnly="true">
+      <xsd:simpleType>
+        <xsd:restriction base="dms:Note">
+          <xsd:maxLength value="255"/>
+        </xsd:restriction>
+      </xsd:simpleType>
+    </xsd:element>
+  </xsd:schema>
+  <xsd:schema xmlns:xsd="http://www.w3.org/2001/XMLSchema" xmlns:xs="http://www.w3.org/2001/XMLSchema" xmlns:dms="http://schemas.microsoft.com/office/2006/documentManagement/types" xmlns:pc="http://schemas.microsoft.com/office/infopath/2007/PartnerControls" targetNamespace="6f430b7c-f2e9-4385-9cb2-4dd06cc2317e" elementFormDefault="qualified">
+    <xsd:import namespace="http://schemas.microsoft.com/office/2006/documentManagement/types"/>
+    <xsd:import namespace="http://schemas.microsoft.com/office/infopath/2007/PartnerControls"/>
+    <xsd:element name="SharedWithUsers" ma:index="12" nillable="true" ma:displayName="Shared With" ma:internalName="SharedWithUsers" ma:readOnly="true">
       <xsd:complexType>
         <xsd:complexContent>
           <xsd:extension base="dms:UserMulti">
@@ -20109,16 +20166,11 @@
         </xsd:complexContent>
       </xsd:complexType>
     </xsd:element>
-    <xsd:element name="SharedWithDetails" ma:index="9" nillable="true" ma:displayName="Shared With Details" ma:internalName="SharedWithDetails" ma:readOnly="true">
+    <xsd:element name="SharedWithDetails" ma:index="13" nillable="true" ma:displayName="Shared With Details" ma:internalName="SharedWithDetails" ma:readOnly="true">
       <xsd:simpleType>
         <xsd:restriction base="dms:Note">
           <xsd:maxLength value="255"/>
         </xsd:restriction>
-      </xsd:simpleType>
-    </xsd:element>
-    <xsd:element name="SharingHintHash" ma:index="10" nillable="true" ma:displayName="Sharing Hint Hash" ma:internalName="SharingHintHash" ma:readOnly="true">
-      <xsd:simpleType>
-        <xsd:restriction base="dms:Text"/>
       </xsd:simpleType>
     </xsd:element>
   </xsd:schema>
@@ -20221,7 +20273,25 @@
 </ct:contentTypeSchema>
 </file>
 
+<file path=customXml/item3.xml><?xml version="1.0" encoding="utf-8"?>
+<p:properties xmlns:p="http://schemas.microsoft.com/office/2006/metadata/properties" xmlns:xsi="http://www.w3.org/2001/XMLSchema-instance" xmlns:pc="http://schemas.microsoft.com/office/infopath/2007/PartnerControls">
+  <documentManagement/>
+</p:properties>
+</file>
+
 <file path=customXml/itemProps1.xml><?xml version="1.0" encoding="utf-8"?>
+<ds:datastoreItem xmlns:ds="http://schemas.openxmlformats.org/officeDocument/2006/customXml" ds:itemID="{189AB54F-A8D3-4CF5-8E7A-A481770A4AC3}">
+  <ds:schemaRefs>
+    <ds:schemaRef ds:uri="http://schemas.microsoft.com/sharepoint/v3/contenttype/forms"/>
+  </ds:schemaRefs>
+</ds:datastoreItem>
+</file>
+
+<file path=customXml/itemProps2.xml><?xml version="1.0" encoding="utf-8"?>
+<ds:datastoreItem xmlns:ds="http://schemas.openxmlformats.org/officeDocument/2006/customXml" ds:itemID="{62DDB0E3-EAF4-410C-B20E-0AFF52781CD2}"/>
+</file>
+
+<file path=customXml/itemProps3.xml><?xml version="1.0" encoding="utf-8"?>
 <ds:datastoreItem xmlns:ds="http://schemas.openxmlformats.org/officeDocument/2006/customXml" ds:itemID="{2A107947-65A8-43FC-83DC-9983181EAE56}">
   <ds:schemaRefs>
     <ds:schemaRef ds:uri="http://purl.org/dc/elements/1.1/"/>
@@ -20235,30 +20305,4 @@
     <ds:schemaRef ds:uri="http://purl.org/dc/dcmitype/"/>
   </ds:schemaRefs>
 </ds:datastoreItem>
-</file>
-
-<file path=customXml/itemProps2.xml><?xml version="1.0" encoding="utf-8"?>
-<ds:datastoreItem xmlns:ds="http://schemas.openxmlformats.org/officeDocument/2006/customXml" ds:itemID="{189AB54F-A8D3-4CF5-8E7A-A481770A4AC3}">
-  <ds:schemaRefs>
-    <ds:schemaRef ds:uri="http://schemas.microsoft.com/sharepoint/v3/contenttype/forms"/>
-  </ds:schemaRefs>
-</ds:datastoreItem>
-</file>
-
-<file path=customXml/itemProps3.xml><?xml version="1.0" encoding="utf-8"?>
-<ds:datastoreItem xmlns:ds="http://schemas.openxmlformats.org/officeDocument/2006/customXml" ds:itemID="{03187236-A7E2-4E77-95FB-547350285787}">
-  <ds:schemaRefs>
-    <ds:schemaRef ds:uri="http://schemas.microsoft.com/office/2006/metadata/contentType"/>
-    <ds:schemaRef ds:uri="http://schemas.microsoft.com/office/2006/metadata/properties/metaAttributes"/>
-    <ds:schemaRef ds:uri="http://www.w3.org/2001/XMLSchema"/>
-    <ds:schemaRef ds:uri="http://schemas.microsoft.com/office/2006/metadata/properties"/>
-    <ds:schemaRef ds:uri="5edd459b-714d-42ed-b78f-512da7d1c14e"/>
-    <ds:schemaRef ds:uri="http://schemas.microsoft.com/office/2006/documentManagement/types"/>
-    <ds:schemaRef ds:uri="http://schemas.microsoft.com/office/infopath/2007/PartnerControls"/>
-    <ds:schemaRef ds:uri="http://schemas.openxmlformats.org/package/2006/metadata/core-properties"/>
-    <ds:schemaRef ds:uri="http://purl.org/dc/elements/1.1/"/>
-    <ds:schemaRef ds:uri="http://purl.org/dc/terms/"/>
-    <ds:schemaRef ds:uri="http://schemas.microsoft.com/internal/obd"/>
-  </ds:schemaRefs>
-</ds:datastoreItem>
 </file>
--- a/curriculum/Unit7/Unit7.pptx
+++ b/curriculum/Unit7/Unit7.pptx
@@ -267,7 +267,7 @@
           <a:p>
             <a:fld id="{21D9D900-B99C-4AFB-8535-5138248138D6}" type="datetimeFigureOut">
               <a:rPr lang="en-US" smtClean="0"/>
-              <a:t>11/28/2016</a:t>
+              <a:t>2/18/2020</a:t>
             </a:fld>
             <a:endParaRPr lang="en-US"/>
           </a:p>
@@ -1431,7 +1431,7 @@
           <a:p>
             <a:fld id="{4FFF93F0-A875-4FED-A1F7-E906ED1FF709}" type="datetimeFigureOut">
               <a:rPr lang="en-US" smtClean="0"/>
-              <a:t>11/28/2016</a:t>
+              <a:t>2/18/2020</a:t>
             </a:fld>
             <a:endParaRPr lang="en-US"/>
           </a:p>
@@ -1599,7 +1599,7 @@
           <a:p>
             <a:fld id="{4FFF93F0-A875-4FED-A1F7-E906ED1FF709}" type="datetimeFigureOut">
               <a:rPr lang="en-US" smtClean="0"/>
-              <a:t>11/28/2016</a:t>
+              <a:t>2/18/2020</a:t>
             </a:fld>
             <a:endParaRPr lang="en-US"/>
           </a:p>
@@ -1777,7 +1777,7 @@
           <a:p>
             <a:fld id="{4FFF93F0-A875-4FED-A1F7-E906ED1FF709}" type="datetimeFigureOut">
               <a:rPr lang="en-US" smtClean="0"/>
-              <a:t>11/28/2016</a:t>
+              <a:t>2/18/2020</a:t>
             </a:fld>
             <a:endParaRPr lang="en-US"/>
           </a:p>
@@ -1945,7 +1945,7 @@
           <a:p>
             <a:fld id="{4FFF93F0-A875-4FED-A1F7-E906ED1FF709}" type="datetimeFigureOut">
               <a:rPr lang="en-US" smtClean="0"/>
-              <a:t>11/28/2016</a:t>
+              <a:t>2/18/2020</a:t>
             </a:fld>
             <a:endParaRPr lang="en-US"/>
           </a:p>
@@ -2190,7 +2190,7 @@
           <a:p>
             <a:fld id="{4FFF93F0-A875-4FED-A1F7-E906ED1FF709}" type="datetimeFigureOut">
               <a:rPr lang="en-US" smtClean="0"/>
-              <a:t>11/28/2016</a:t>
+              <a:t>2/18/2020</a:t>
             </a:fld>
             <a:endParaRPr lang="en-US"/>
           </a:p>
@@ -2419,7 +2419,7 @@
           <a:p>
             <a:fld id="{4FFF93F0-A875-4FED-A1F7-E906ED1FF709}" type="datetimeFigureOut">
               <a:rPr lang="en-US" smtClean="0"/>
-              <a:t>11/28/2016</a:t>
+              <a:t>2/18/2020</a:t>
             </a:fld>
             <a:endParaRPr lang="en-US"/>
           </a:p>
@@ -2783,7 +2783,7 @@
           <a:p>
             <a:fld id="{4FFF93F0-A875-4FED-A1F7-E906ED1FF709}" type="datetimeFigureOut">
               <a:rPr lang="en-US" smtClean="0"/>
-              <a:t>11/28/2016</a:t>
+              <a:t>2/18/2020</a:t>
             </a:fld>
             <a:endParaRPr lang="en-US"/>
           </a:p>
@@ -2900,7 +2900,7 @@
           <a:p>
             <a:fld id="{4FFF93F0-A875-4FED-A1F7-E906ED1FF709}" type="datetimeFigureOut">
               <a:rPr lang="en-US" smtClean="0"/>
-              <a:t>11/28/2016</a:t>
+              <a:t>2/18/2020</a:t>
             </a:fld>
             <a:endParaRPr lang="en-US"/>
           </a:p>
@@ -2995,7 +2995,7 @@
           <a:p>
             <a:fld id="{4FFF93F0-A875-4FED-A1F7-E906ED1FF709}" type="datetimeFigureOut">
               <a:rPr lang="en-US" smtClean="0"/>
-              <a:t>11/28/2016</a:t>
+              <a:t>2/18/2020</a:t>
             </a:fld>
             <a:endParaRPr lang="en-US"/>
           </a:p>
@@ -3270,7 +3270,7 @@
           <a:p>
             <a:fld id="{4FFF93F0-A875-4FED-A1F7-E906ED1FF709}" type="datetimeFigureOut">
               <a:rPr lang="en-US" smtClean="0"/>
-              <a:t>11/28/2016</a:t>
+              <a:t>2/18/2020</a:t>
             </a:fld>
             <a:endParaRPr lang="en-US"/>
           </a:p>
@@ -3522,7 +3522,7 @@
           <a:p>
             <a:fld id="{4FFF93F0-A875-4FED-A1F7-E906ED1FF709}" type="datetimeFigureOut">
               <a:rPr lang="en-US" smtClean="0"/>
-              <a:t>11/28/2016</a:t>
+              <a:t>2/18/2020</a:t>
             </a:fld>
             <a:endParaRPr lang="en-US"/>
           </a:p>
@@ -3733,7 +3733,7 @@
           <a:p>
             <a:fld id="{4FFF93F0-A875-4FED-A1F7-E906ED1FF709}" type="datetimeFigureOut">
               <a:rPr lang="en-US" smtClean="0"/>
-              <a:t>11/28/2016</a:t>
+              <a:t>2/18/2020</a:t>
             </a:fld>
             <a:endParaRPr lang="en-US"/>
           </a:p>
@@ -19146,7 +19146,7 @@
             </a:pPr>
             <a:r>
               <a:rPr lang="en-US" dirty="0"/>
-              <a:t>For each topic, follow up by reviewing the textbook, self-check problems, and the appropriate Practice-It problems.</a:t>
+              <a:t>For each topic, follow up by reviewing the textbook, self-check problems, and the appropriate Practice problems.</a:t>
             </a:r>
           </a:p>
         </p:txBody>
@@ -20048,6 +20048,12 @@
 </file>
 
 <file path=customXml/item1.xml><?xml version="1.0" encoding="utf-8"?>
+<p:properties xmlns:p="http://schemas.microsoft.com/office/2006/metadata/properties" xmlns:xsi="http://www.w3.org/2001/XMLSchema-instance" xmlns:pc="http://schemas.microsoft.com/office/infopath/2007/PartnerControls">
+  <documentManagement/>
+</p:properties>
+</file>
+
+<file path=customXml/item2.xml><?xml version="1.0" encoding="utf-8"?>
 <?mso-contentType ?>
 <FormTemplates xmlns="http://schemas.microsoft.com/sharepoint/v3/contenttype/forms">
   <Display>DocumentLibraryForm</Display>
@@ -20056,7 +20062,7 @@
 </FormTemplates>
 </file>
 
-<file path=customXml/item2.xml><?xml version="1.0" encoding="utf-8"?>
+<file path=customXml/item3.xml><?xml version="1.0" encoding="utf-8"?>
 <ct:contentTypeSchema xmlns:ct="http://schemas.microsoft.com/office/2006/metadata/contentType" xmlns:ma="http://schemas.microsoft.com/office/2006/metadata/properties/metaAttributes" ct:_="" ma:_="" ma:contentTypeName="Document" ma:contentTypeID="0x01010011E83E049C87AC4AB56F27089B4ACA55" ma:contentTypeVersion="12" ma:contentTypeDescription="Create a new document." ma:contentTypeScope="" ma:versionID="1178fe99ddca204d3fc8224f4ed0acf8">
   <xsd:schema xmlns:xsd="http://www.w3.org/2001/XMLSchema" xmlns:xs="http://www.w3.org/2001/XMLSchema" xmlns:p="http://schemas.microsoft.com/office/2006/metadata/properties" xmlns:ns2="be898649-fe57-4b08-9fd4-31fc752880e3" xmlns:ns3="6f430b7c-f2e9-4385-9cb2-4dd06cc2317e" targetNamespace="http://schemas.microsoft.com/office/2006/metadata/properties" ma:root="true" ma:fieldsID="05a700af6660b82c6e85ae510b7169e9" ns2:_="" ns3:_="">
     <xsd:import namespace="be898649-fe57-4b08-9fd4-31fc752880e3"/>
@@ -20273,25 +20279,7 @@
 </ct:contentTypeSchema>
 </file>
 
-<file path=customXml/item3.xml><?xml version="1.0" encoding="utf-8"?>
-<p:properties xmlns:p="http://schemas.microsoft.com/office/2006/metadata/properties" xmlns:xsi="http://www.w3.org/2001/XMLSchema-instance" xmlns:pc="http://schemas.microsoft.com/office/infopath/2007/PartnerControls">
-  <documentManagement/>
-</p:properties>
-</file>
-
 <file path=customXml/itemProps1.xml><?xml version="1.0" encoding="utf-8"?>
-<ds:datastoreItem xmlns:ds="http://schemas.openxmlformats.org/officeDocument/2006/customXml" ds:itemID="{189AB54F-A8D3-4CF5-8E7A-A481770A4AC3}">
-  <ds:schemaRefs>
-    <ds:schemaRef ds:uri="http://schemas.microsoft.com/sharepoint/v3/contenttype/forms"/>
-  </ds:schemaRefs>
-</ds:datastoreItem>
-</file>
-
-<file path=customXml/itemProps2.xml><?xml version="1.0" encoding="utf-8"?>
-<ds:datastoreItem xmlns:ds="http://schemas.openxmlformats.org/officeDocument/2006/customXml" ds:itemID="{62DDB0E3-EAF4-410C-B20E-0AFF52781CD2}"/>
-</file>
-
-<file path=customXml/itemProps3.xml><?xml version="1.0" encoding="utf-8"?>
 <ds:datastoreItem xmlns:ds="http://schemas.openxmlformats.org/officeDocument/2006/customXml" ds:itemID="{2A107947-65A8-43FC-83DC-9983181EAE56}">
   <ds:schemaRefs>
     <ds:schemaRef ds:uri="http://purl.org/dc/elements/1.1/"/>
@@ -20305,4 +20293,31 @@
     <ds:schemaRef ds:uri="http://purl.org/dc/dcmitype/"/>
   </ds:schemaRefs>
 </ds:datastoreItem>
+</file>
+
+<file path=customXml/itemProps2.xml><?xml version="1.0" encoding="utf-8"?>
+<ds:datastoreItem xmlns:ds="http://schemas.openxmlformats.org/officeDocument/2006/customXml" ds:itemID="{189AB54F-A8D3-4CF5-8E7A-A481770A4AC3}">
+  <ds:schemaRefs>
+    <ds:schemaRef ds:uri="http://schemas.microsoft.com/sharepoint/v3/contenttype/forms"/>
+  </ds:schemaRefs>
+</ds:datastoreItem>
+</file>
+
+<file path=customXml/itemProps3.xml><?xml version="1.0" encoding="utf-8"?>
+<ds:datastoreItem xmlns:ds="http://schemas.openxmlformats.org/officeDocument/2006/customXml" ds:itemID="{62DDB0E3-EAF4-410C-B20E-0AFF52781CD2}">
+  <ds:schemaRefs>
+    <ds:schemaRef ds:uri="http://schemas.microsoft.com/office/2006/metadata/contentType"/>
+    <ds:schemaRef ds:uri="http://schemas.microsoft.com/office/2006/metadata/properties/metaAttributes"/>
+    <ds:schemaRef ds:uri="http://www.w3.org/2001/XMLSchema"/>
+    <ds:schemaRef ds:uri="http://schemas.microsoft.com/office/2006/metadata/properties"/>
+    <ds:schemaRef ds:uri="be898649-fe57-4b08-9fd4-31fc752880e3"/>
+    <ds:schemaRef ds:uri="6f430b7c-f2e9-4385-9cb2-4dd06cc2317e"/>
+    <ds:schemaRef ds:uri="http://schemas.microsoft.com/office/2006/documentManagement/types"/>
+    <ds:schemaRef ds:uri="http://schemas.microsoft.com/office/infopath/2007/PartnerControls"/>
+    <ds:schemaRef ds:uri="http://schemas.openxmlformats.org/package/2006/metadata/core-properties"/>
+    <ds:schemaRef ds:uri="http://purl.org/dc/elements/1.1/"/>
+    <ds:schemaRef ds:uri="http://purl.org/dc/terms/"/>
+    <ds:schemaRef ds:uri="http://schemas.microsoft.com/internal/obd"/>
+  </ds:schemaRefs>
+</ds:datastoreItem>
 </file>